--- a/doc/Proposta.pptx
+++ b/doc/Proposta.pptx
@@ -8,7 +8,8 @@
     <p:sldId id="259" r:id="rId2"/>
     <p:sldId id="258" r:id="rId3"/>
     <p:sldId id="257" r:id="rId4"/>
-    <p:sldId id="260" r:id="rId5"/>
+    <p:sldId id="261" r:id="rId5"/>
+    <p:sldId id="260" r:id="rId6"/>
   </p:sldIdLst>
   <p:sldSz cx="12192000" cy="6858000"/>
   <p:notesSz cx="6858000" cy="9144000"/>
@@ -262,7 +263,7 @@
           <a:p>
             <a:fld id="{F5AF90ED-26A6-46CA-8422-E96AB02E7181}" type="datetimeFigureOut">
               <a:rPr lang="en-US" smtClean="0"/>
-              <a:t>5/28/2020</a:t>
+              <a:t>6/2/2020</a:t>
             </a:fld>
             <a:endParaRPr lang="en-US"/>
           </a:p>
@@ -460,7 +461,7 @@
           <a:p>
             <a:fld id="{F5AF90ED-26A6-46CA-8422-E96AB02E7181}" type="datetimeFigureOut">
               <a:rPr lang="en-US" smtClean="0"/>
-              <a:t>5/28/2020</a:t>
+              <a:t>6/2/2020</a:t>
             </a:fld>
             <a:endParaRPr lang="en-US"/>
           </a:p>
@@ -668,7 +669,7 @@
           <a:p>
             <a:fld id="{F5AF90ED-26A6-46CA-8422-E96AB02E7181}" type="datetimeFigureOut">
               <a:rPr lang="en-US" smtClean="0"/>
-              <a:t>5/28/2020</a:t>
+              <a:t>6/2/2020</a:t>
             </a:fld>
             <a:endParaRPr lang="en-US"/>
           </a:p>
@@ -866,7 +867,7 @@
           <a:p>
             <a:fld id="{F5AF90ED-26A6-46CA-8422-E96AB02E7181}" type="datetimeFigureOut">
               <a:rPr lang="en-US" smtClean="0"/>
-              <a:t>5/28/2020</a:t>
+              <a:t>6/2/2020</a:t>
             </a:fld>
             <a:endParaRPr lang="en-US"/>
           </a:p>
@@ -1141,7 +1142,7 @@
           <a:p>
             <a:fld id="{F5AF90ED-26A6-46CA-8422-E96AB02E7181}" type="datetimeFigureOut">
               <a:rPr lang="en-US" smtClean="0"/>
-              <a:t>5/28/2020</a:t>
+              <a:t>6/2/2020</a:t>
             </a:fld>
             <a:endParaRPr lang="en-US"/>
           </a:p>
@@ -1406,7 +1407,7 @@
           <a:p>
             <a:fld id="{F5AF90ED-26A6-46CA-8422-E96AB02E7181}" type="datetimeFigureOut">
               <a:rPr lang="en-US" smtClean="0"/>
-              <a:t>5/28/2020</a:t>
+              <a:t>6/2/2020</a:t>
             </a:fld>
             <a:endParaRPr lang="en-US"/>
           </a:p>
@@ -1818,7 +1819,7 @@
           <a:p>
             <a:fld id="{F5AF90ED-26A6-46CA-8422-E96AB02E7181}" type="datetimeFigureOut">
               <a:rPr lang="en-US" smtClean="0"/>
-              <a:t>5/28/2020</a:t>
+              <a:t>6/2/2020</a:t>
             </a:fld>
             <a:endParaRPr lang="en-US"/>
           </a:p>
@@ -1959,7 +1960,7 @@
           <a:p>
             <a:fld id="{F5AF90ED-26A6-46CA-8422-E96AB02E7181}" type="datetimeFigureOut">
               <a:rPr lang="en-US" smtClean="0"/>
-              <a:t>5/28/2020</a:t>
+              <a:t>6/2/2020</a:t>
             </a:fld>
             <a:endParaRPr lang="en-US"/>
           </a:p>
@@ -2072,7 +2073,7 @@
           <a:p>
             <a:fld id="{F5AF90ED-26A6-46CA-8422-E96AB02E7181}" type="datetimeFigureOut">
               <a:rPr lang="en-US" smtClean="0"/>
-              <a:t>5/28/2020</a:t>
+              <a:t>6/2/2020</a:t>
             </a:fld>
             <a:endParaRPr lang="en-US"/>
           </a:p>
@@ -2383,7 +2384,7 @@
           <a:p>
             <a:fld id="{F5AF90ED-26A6-46CA-8422-E96AB02E7181}" type="datetimeFigureOut">
               <a:rPr lang="en-US" smtClean="0"/>
-              <a:t>5/28/2020</a:t>
+              <a:t>6/2/2020</a:t>
             </a:fld>
             <a:endParaRPr lang="en-US"/>
           </a:p>
@@ -2671,7 +2672,7 @@
           <a:p>
             <a:fld id="{F5AF90ED-26A6-46CA-8422-E96AB02E7181}" type="datetimeFigureOut">
               <a:rPr lang="en-US" smtClean="0"/>
-              <a:t>5/28/2020</a:t>
+              <a:t>6/2/2020</a:t>
             </a:fld>
             <a:endParaRPr lang="en-US"/>
           </a:p>
@@ -2912,7 +2913,7 @@
           <a:p>
             <a:fld id="{F5AF90ED-26A6-46CA-8422-E96AB02E7181}" type="datetimeFigureOut">
               <a:rPr lang="en-US" smtClean="0"/>
-              <a:t>5/28/2020</a:t>
+              <a:t>6/2/2020</a:t>
             </a:fld>
             <a:endParaRPr lang="en-US"/>
           </a:p>
@@ -3417,56 +3418,6 @@
           <a:chExt cx="0" cy="0"/>
         </a:xfrm>
       </p:grpSpPr>
-      <p:sp>
-        <p:nvSpPr>
-          <p:cNvPr id="2" name="Title 1">
-            <a:extLst>
-              <a:ext uri="{FF2B5EF4-FFF2-40B4-BE49-F238E27FC236}">
-                <a16:creationId xmlns:a16="http://schemas.microsoft.com/office/drawing/2014/main" id="{1F4304C9-747D-42FF-890A-13E259BDECBC}"/>
-              </a:ext>
-            </a:extLst>
-          </p:cNvPr>
-          <p:cNvSpPr>
-            <a:spLocks noGrp="1"/>
-          </p:cNvSpPr>
-          <p:nvPr>
-            <p:ph type="title"/>
-          </p:nvPr>
-        </p:nvSpPr>
-        <p:spPr/>
-        <p:txBody>
-          <a:bodyPr/>
-          <a:lstStyle/>
-          <a:p>
-            <a:endParaRPr lang="en-US"/>
-          </a:p>
-        </p:txBody>
-      </p:sp>
-      <p:sp>
-        <p:nvSpPr>
-          <p:cNvPr id="3" name="Content Placeholder 2">
-            <a:extLst>
-              <a:ext uri="{FF2B5EF4-FFF2-40B4-BE49-F238E27FC236}">
-                <a16:creationId xmlns:a16="http://schemas.microsoft.com/office/drawing/2014/main" id="{367AEDCD-360D-4C1A-BFB2-094E3DEE225A}"/>
-              </a:ext>
-            </a:extLst>
-          </p:cNvPr>
-          <p:cNvSpPr>
-            <a:spLocks noGrp="1"/>
-          </p:cNvSpPr>
-          <p:nvPr>
-            <p:ph idx="1"/>
-          </p:nvPr>
-        </p:nvSpPr>
-        <p:spPr/>
-        <p:txBody>
-          <a:bodyPr/>
-          <a:lstStyle/>
-          <a:p>
-            <a:endParaRPr lang="en-US"/>
-          </a:p>
-        </p:txBody>
-      </p:sp>
       <p:pic>
         <p:nvPicPr>
           <p:cNvPr id="4" name="Picture 3">
@@ -3489,8 +3440,8 @@
         </p:blipFill>
         <p:spPr>
           <a:xfrm>
-            <a:off x="2754340" y="1527645"/>
-            <a:ext cx="6683319" cy="3802710"/>
+            <a:off x="0" y="-1"/>
+            <a:ext cx="12036490" cy="6848585"/>
           </a:xfrm>
           <a:prstGeom prst="rect">
             <a:avLst/>
@@ -3541,8 +3492,220 @@
         </p:nvSpPr>
         <p:spPr>
           <a:xfrm>
-            <a:off x="269799" y="1958261"/>
+            <a:off x="988256" y="1473069"/>
             <a:ext cx="1912775" cy="774441"/>
+          </a:xfrm>
+          <a:prstGeom prst="rect">
+            <a:avLst/>
+          </a:prstGeom>
+        </p:spPr>
+        <p:style>
+          <a:lnRef idx="2">
+            <a:schemeClr val="accent3">
+              <a:shade val="50000"/>
+            </a:schemeClr>
+          </a:lnRef>
+          <a:fillRef idx="1">
+            <a:schemeClr val="accent3"/>
+          </a:fillRef>
+          <a:effectRef idx="0">
+            <a:schemeClr val="accent3"/>
+          </a:effectRef>
+          <a:fontRef idx="minor">
+            <a:schemeClr val="lt1"/>
+          </a:fontRef>
+        </p:style>
+        <p:txBody>
+          <a:bodyPr rtlCol="0" anchor="ctr"/>
+          <a:lstStyle/>
+          <a:p>
+            <a:pPr algn="ctr"/>
+            <a:r>
+              <a:rPr lang="en-US"/>
+              <a:t>Textos</a:t>
+            </a:r>
+            <a:endParaRPr lang="en-US" dirty="0"/>
+          </a:p>
+        </p:txBody>
+      </p:sp>
+      <p:sp>
+        <p:nvSpPr>
+          <p:cNvPr id="5" name="Rectangle 4">
+            <a:extLst>
+              <a:ext uri="{FF2B5EF4-FFF2-40B4-BE49-F238E27FC236}">
+                <a16:creationId xmlns:a16="http://schemas.microsoft.com/office/drawing/2014/main" id="{C5512D90-3928-4AC9-9DF9-D2ECF90E5B66}"/>
+              </a:ext>
+            </a:extLst>
+          </p:cNvPr>
+          <p:cNvSpPr/>
+          <p:nvPr/>
+        </p:nvSpPr>
+        <p:spPr>
+          <a:xfrm>
+            <a:off x="988256" y="2474457"/>
+            <a:ext cx="1912775" cy="774441"/>
+          </a:xfrm>
+          <a:prstGeom prst="rect">
+            <a:avLst/>
+          </a:prstGeom>
+        </p:spPr>
+        <p:style>
+          <a:lnRef idx="2">
+            <a:schemeClr val="accent3">
+              <a:shade val="50000"/>
+            </a:schemeClr>
+          </a:lnRef>
+          <a:fillRef idx="1">
+            <a:schemeClr val="accent3"/>
+          </a:fillRef>
+          <a:effectRef idx="0">
+            <a:schemeClr val="accent3"/>
+          </a:effectRef>
+          <a:fontRef idx="minor">
+            <a:schemeClr val="lt1"/>
+          </a:fontRef>
+        </p:style>
+        <p:txBody>
+          <a:bodyPr rtlCol="0" anchor="ctr"/>
+          <a:lstStyle/>
+          <a:p>
+            <a:pPr algn="ctr"/>
+            <a:r>
+              <a:rPr lang="en-US" dirty="0"/>
+              <a:t>Informa</a:t>
+            </a:r>
+            <a:r>
+              <a:rPr lang="pt-BR" dirty="0" err="1"/>
+              <a:t>ção</a:t>
+            </a:r>
+            <a:r>
+              <a:rPr lang="pt-BR" dirty="0"/>
+              <a:t> à correlacionar</a:t>
+            </a:r>
+            <a:endParaRPr lang="en-US" dirty="0"/>
+          </a:p>
+        </p:txBody>
+      </p:sp>
+      <p:sp>
+        <p:nvSpPr>
+          <p:cNvPr id="6" name="Rectangle 5">
+            <a:extLst>
+              <a:ext uri="{FF2B5EF4-FFF2-40B4-BE49-F238E27FC236}">
+                <a16:creationId xmlns:a16="http://schemas.microsoft.com/office/drawing/2014/main" id="{5EF3B979-C009-4D96-ADE0-899196A0CA12}"/>
+              </a:ext>
+            </a:extLst>
+          </p:cNvPr>
+          <p:cNvSpPr/>
+          <p:nvPr/>
+        </p:nvSpPr>
+        <p:spPr>
+          <a:xfrm>
+            <a:off x="3390892" y="4588622"/>
+            <a:ext cx="1912775" cy="774441"/>
+          </a:xfrm>
+          <a:prstGeom prst="rect">
+            <a:avLst/>
+          </a:prstGeom>
+        </p:spPr>
+        <p:style>
+          <a:lnRef idx="2">
+            <a:schemeClr val="accent3">
+              <a:shade val="50000"/>
+            </a:schemeClr>
+          </a:lnRef>
+          <a:fillRef idx="1">
+            <a:schemeClr val="accent3"/>
+          </a:fillRef>
+          <a:effectRef idx="0">
+            <a:schemeClr val="accent3"/>
+          </a:effectRef>
+          <a:fontRef idx="minor">
+            <a:schemeClr val="lt1"/>
+          </a:fontRef>
+        </p:style>
+        <p:txBody>
+          <a:bodyPr rtlCol="0" anchor="ctr"/>
+          <a:lstStyle/>
+          <a:p>
+            <a:pPr algn="ctr"/>
+            <a:r>
+              <a:rPr lang="pt-BR" dirty="0"/>
+              <a:t>Numérico (Grandeza importa)</a:t>
+            </a:r>
+            <a:endParaRPr lang="en-US" dirty="0"/>
+          </a:p>
+        </p:txBody>
+      </p:sp>
+      <p:sp>
+        <p:nvSpPr>
+          <p:cNvPr id="7" name="Rectangle 6">
+            <a:extLst>
+              <a:ext uri="{FF2B5EF4-FFF2-40B4-BE49-F238E27FC236}">
+                <a16:creationId xmlns:a16="http://schemas.microsoft.com/office/drawing/2014/main" id="{84FFFD8D-9721-4943-A753-6AEF7BA27766}"/>
+              </a:ext>
+            </a:extLst>
+          </p:cNvPr>
+          <p:cNvSpPr/>
+          <p:nvPr/>
+        </p:nvSpPr>
+        <p:spPr>
+          <a:xfrm>
+            <a:off x="3396332" y="2477957"/>
+            <a:ext cx="1912775" cy="774441"/>
+          </a:xfrm>
+          <a:prstGeom prst="rect">
+            <a:avLst/>
+          </a:prstGeom>
+        </p:spPr>
+        <p:style>
+          <a:lnRef idx="2">
+            <a:schemeClr val="accent3">
+              <a:shade val="50000"/>
+            </a:schemeClr>
+          </a:lnRef>
+          <a:fillRef idx="1">
+            <a:schemeClr val="accent3"/>
+          </a:fillRef>
+          <a:effectRef idx="0">
+            <a:schemeClr val="accent3"/>
+          </a:effectRef>
+          <a:fontRef idx="minor">
+            <a:schemeClr val="lt1"/>
+          </a:fontRef>
+        </p:style>
+        <p:txBody>
+          <a:bodyPr rtlCol="0" anchor="ctr"/>
+          <a:lstStyle/>
+          <a:p>
+            <a:pPr algn="ctr"/>
+            <a:r>
+              <a:rPr lang="pt-BR" dirty="0" err="1"/>
+              <a:t>Tag</a:t>
+            </a:r>
+            <a:r>
+              <a:rPr lang="pt-BR" dirty="0"/>
+              <a:t> Absoluto</a:t>
+            </a:r>
+            <a:endParaRPr lang="en-US" dirty="0"/>
+          </a:p>
+        </p:txBody>
+      </p:sp>
+      <p:sp>
+        <p:nvSpPr>
+          <p:cNvPr id="8" name="Rectangle 7">
+            <a:extLst>
+              <a:ext uri="{FF2B5EF4-FFF2-40B4-BE49-F238E27FC236}">
+                <a16:creationId xmlns:a16="http://schemas.microsoft.com/office/drawing/2014/main" id="{1E4FEDAA-6490-422B-AF68-B5C540ACC8C5}"/>
+              </a:ext>
+            </a:extLst>
+          </p:cNvPr>
+          <p:cNvSpPr/>
+          <p:nvPr/>
+        </p:nvSpPr>
+        <p:spPr>
+          <a:xfrm>
+            <a:off x="3708906" y="3530082"/>
+            <a:ext cx="1287625" cy="774441"/>
           </a:xfrm>
           <a:prstGeom prst="rect">
             <a:avLst/>
@@ -3570,218 +3733,6 @@
           <a:p>
             <a:pPr algn="ctr"/>
             <a:r>
-              <a:rPr lang="en-US"/>
-              <a:t>Textos</a:t>
-            </a:r>
-            <a:endParaRPr lang="en-US" dirty="0"/>
-          </a:p>
-        </p:txBody>
-      </p:sp>
-      <p:sp>
-        <p:nvSpPr>
-          <p:cNvPr id="5" name="Rectangle 4">
-            <a:extLst>
-              <a:ext uri="{FF2B5EF4-FFF2-40B4-BE49-F238E27FC236}">
-                <a16:creationId xmlns:a16="http://schemas.microsoft.com/office/drawing/2014/main" id="{C5512D90-3928-4AC9-9DF9-D2ECF90E5B66}"/>
-              </a:ext>
-            </a:extLst>
-          </p:cNvPr>
-          <p:cNvSpPr/>
-          <p:nvPr/>
-        </p:nvSpPr>
-        <p:spPr>
-          <a:xfrm>
-            <a:off x="269799" y="2959649"/>
-            <a:ext cx="1912775" cy="774441"/>
-          </a:xfrm>
-          <a:prstGeom prst="rect">
-            <a:avLst/>
-          </a:prstGeom>
-        </p:spPr>
-        <p:style>
-          <a:lnRef idx="2">
-            <a:schemeClr val="accent1">
-              <a:shade val="50000"/>
-            </a:schemeClr>
-          </a:lnRef>
-          <a:fillRef idx="1">
-            <a:schemeClr val="accent1"/>
-          </a:fillRef>
-          <a:effectRef idx="0">
-            <a:schemeClr val="accent1"/>
-          </a:effectRef>
-          <a:fontRef idx="minor">
-            <a:schemeClr val="lt1"/>
-          </a:fontRef>
-        </p:style>
-        <p:txBody>
-          <a:bodyPr rtlCol="0" anchor="ctr"/>
-          <a:lstStyle/>
-          <a:p>
-            <a:pPr algn="ctr"/>
-            <a:r>
-              <a:rPr lang="en-US" dirty="0"/>
-              <a:t>Informa</a:t>
-            </a:r>
-            <a:r>
-              <a:rPr lang="pt-BR" dirty="0" err="1"/>
-              <a:t>ção</a:t>
-            </a:r>
-            <a:r>
-              <a:rPr lang="pt-BR" dirty="0"/>
-              <a:t> à correlacionar</a:t>
-            </a:r>
-            <a:endParaRPr lang="en-US" dirty="0"/>
-          </a:p>
-        </p:txBody>
-      </p:sp>
-      <p:sp>
-        <p:nvSpPr>
-          <p:cNvPr id="6" name="Rectangle 5">
-            <a:extLst>
-              <a:ext uri="{FF2B5EF4-FFF2-40B4-BE49-F238E27FC236}">
-                <a16:creationId xmlns:a16="http://schemas.microsoft.com/office/drawing/2014/main" id="{5EF3B979-C009-4D96-ADE0-899196A0CA12}"/>
-              </a:ext>
-            </a:extLst>
-          </p:cNvPr>
-          <p:cNvSpPr/>
-          <p:nvPr/>
-        </p:nvSpPr>
-        <p:spPr>
-          <a:xfrm>
-            <a:off x="2672435" y="5073814"/>
-            <a:ext cx="1912775" cy="774441"/>
-          </a:xfrm>
-          <a:prstGeom prst="rect">
-            <a:avLst/>
-          </a:prstGeom>
-        </p:spPr>
-        <p:style>
-          <a:lnRef idx="2">
-            <a:schemeClr val="accent1">
-              <a:shade val="50000"/>
-            </a:schemeClr>
-          </a:lnRef>
-          <a:fillRef idx="1">
-            <a:schemeClr val="accent1"/>
-          </a:fillRef>
-          <a:effectRef idx="0">
-            <a:schemeClr val="accent1"/>
-          </a:effectRef>
-          <a:fontRef idx="minor">
-            <a:schemeClr val="lt1"/>
-          </a:fontRef>
-        </p:style>
-        <p:txBody>
-          <a:bodyPr rtlCol="0" anchor="ctr"/>
-          <a:lstStyle/>
-          <a:p>
-            <a:pPr algn="ctr"/>
-            <a:r>
-              <a:rPr lang="pt-BR" dirty="0"/>
-              <a:t>Numérico (Grandeza importa)</a:t>
-            </a:r>
-            <a:endParaRPr lang="en-US" dirty="0"/>
-          </a:p>
-        </p:txBody>
-      </p:sp>
-      <p:sp>
-        <p:nvSpPr>
-          <p:cNvPr id="7" name="Rectangle 6">
-            <a:extLst>
-              <a:ext uri="{FF2B5EF4-FFF2-40B4-BE49-F238E27FC236}">
-                <a16:creationId xmlns:a16="http://schemas.microsoft.com/office/drawing/2014/main" id="{84FFFD8D-9721-4943-A753-6AEF7BA27766}"/>
-              </a:ext>
-            </a:extLst>
-          </p:cNvPr>
-          <p:cNvSpPr/>
-          <p:nvPr/>
-        </p:nvSpPr>
-        <p:spPr>
-          <a:xfrm>
-            <a:off x="2677875" y="2963149"/>
-            <a:ext cx="1912775" cy="774441"/>
-          </a:xfrm>
-          <a:prstGeom prst="rect">
-            <a:avLst/>
-          </a:prstGeom>
-        </p:spPr>
-        <p:style>
-          <a:lnRef idx="2">
-            <a:schemeClr val="accent1">
-              <a:shade val="50000"/>
-            </a:schemeClr>
-          </a:lnRef>
-          <a:fillRef idx="1">
-            <a:schemeClr val="accent1"/>
-          </a:fillRef>
-          <a:effectRef idx="0">
-            <a:schemeClr val="accent1"/>
-          </a:effectRef>
-          <a:fontRef idx="minor">
-            <a:schemeClr val="lt1"/>
-          </a:fontRef>
-        </p:style>
-        <p:txBody>
-          <a:bodyPr rtlCol="0" anchor="ctr"/>
-          <a:lstStyle/>
-          <a:p>
-            <a:pPr algn="ctr"/>
-            <a:r>
-              <a:rPr lang="pt-BR" dirty="0" err="1"/>
-              <a:t>Tag</a:t>
-            </a:r>
-            <a:r>
-              <a:rPr lang="pt-BR" dirty="0"/>
-              <a:t> Absoluto</a:t>
-            </a:r>
-            <a:endParaRPr lang="en-US" dirty="0"/>
-          </a:p>
-        </p:txBody>
-      </p:sp>
-      <p:sp>
-        <p:nvSpPr>
-          <p:cNvPr id="8" name="Oval 7">
-            <a:extLst>
-              <a:ext uri="{FF2B5EF4-FFF2-40B4-BE49-F238E27FC236}">
-                <a16:creationId xmlns:a16="http://schemas.microsoft.com/office/drawing/2014/main" id="{1E4FEDAA-6490-422B-AF68-B5C540ACC8C5}"/>
-              </a:ext>
-            </a:extLst>
-          </p:cNvPr>
-          <p:cNvSpPr/>
-          <p:nvPr/>
-        </p:nvSpPr>
-        <p:spPr>
-          <a:xfrm>
-            <a:off x="2990449" y="4015274"/>
-            <a:ext cx="1287625" cy="774441"/>
-          </a:xfrm>
-          <a:prstGeom prst="ellipse">
-            <a:avLst/>
-          </a:prstGeom>
-        </p:spPr>
-        <p:style>
-          <a:lnRef idx="2">
-            <a:schemeClr val="accent1">
-              <a:shade val="50000"/>
-            </a:schemeClr>
-          </a:lnRef>
-          <a:fillRef idx="1">
-            <a:schemeClr val="accent1"/>
-          </a:fillRef>
-          <a:effectRef idx="0">
-            <a:schemeClr val="accent1"/>
-          </a:effectRef>
-          <a:fontRef idx="minor">
-            <a:schemeClr val="lt1"/>
-          </a:fontRef>
-        </p:style>
-        <p:txBody>
-          <a:bodyPr rtlCol="0" anchor="ctr"/>
-          <a:lstStyle/>
-          <a:p>
-            <a:pPr algn="ctr"/>
-            <a:r>
               <a:rPr lang="pt-BR" dirty="0" err="1"/>
               <a:t>Tagger</a:t>
             </a:r>
@@ -3807,7 +3758,7 @@
         </p:nvCxnSpPr>
         <p:spPr>
           <a:xfrm>
-            <a:off x="2182574" y="3346870"/>
+            <a:off x="2901031" y="2861678"/>
             <a:ext cx="495301" cy="3500"/>
           </a:xfrm>
           <a:prstGeom prst="straightConnector1">
@@ -3819,13 +3770,13 @@
         </p:spPr>
         <p:style>
           <a:lnRef idx="1">
-            <a:schemeClr val="accent1"/>
+            <a:schemeClr val="accent3"/>
           </a:lnRef>
           <a:fillRef idx="0">
-            <a:schemeClr val="accent1"/>
+            <a:schemeClr val="accent3"/>
           </a:fillRef>
           <a:effectRef idx="0">
-            <a:schemeClr val="accent1"/>
+            <a:schemeClr val="accent3"/>
           </a:effectRef>
           <a:fontRef idx="minor">
             <a:schemeClr val="tx1"/>
@@ -3850,7 +3801,7 @@
         </p:nvCxnSpPr>
         <p:spPr>
           <a:xfrm>
-            <a:off x="1226187" y="3734090"/>
+            <a:off x="1944644" y="3248898"/>
             <a:ext cx="1446248" cy="1726945"/>
           </a:xfrm>
           <a:prstGeom prst="straightConnector1">
@@ -3862,13 +3813,13 @@
         </p:spPr>
         <p:style>
           <a:lnRef idx="1">
-            <a:schemeClr val="accent1"/>
+            <a:schemeClr val="accent3"/>
           </a:lnRef>
           <a:fillRef idx="0">
-            <a:schemeClr val="accent1"/>
+            <a:schemeClr val="accent3"/>
           </a:fillRef>
           <a:effectRef idx="0">
-            <a:schemeClr val="accent1"/>
+            <a:schemeClr val="accent3"/>
           </a:effectRef>
           <a:fontRef idx="minor">
             <a:schemeClr val="tx1"/>
@@ -3887,13 +3838,12 @@
           <p:cNvCxnSpPr>
             <a:cxnSpLocks/>
             <a:stCxn id="6" idx="0"/>
-            <a:endCxn id="8" idx="4"/>
           </p:cNvCxnSpPr>
           <p:nvPr/>
         </p:nvCxnSpPr>
         <p:spPr>
           <a:xfrm flipV="1">
-            <a:off x="3628823" y="4789715"/>
+            <a:off x="4347280" y="4304523"/>
             <a:ext cx="5439" cy="284099"/>
           </a:xfrm>
           <a:prstGeom prst="straightConnector1">
@@ -3905,13 +3855,13 @@
         </p:spPr>
         <p:style>
           <a:lnRef idx="1">
-            <a:schemeClr val="accent1"/>
+            <a:schemeClr val="accent3"/>
           </a:lnRef>
           <a:fillRef idx="0">
-            <a:schemeClr val="accent1"/>
+            <a:schemeClr val="accent3"/>
           </a:fillRef>
           <a:effectRef idx="0">
-            <a:schemeClr val="accent1"/>
+            <a:schemeClr val="accent3"/>
           </a:effectRef>
           <a:fontRef idx="minor">
             <a:schemeClr val="tx1"/>
@@ -3929,14 +3879,13 @@
           </p:cNvPr>
           <p:cNvCxnSpPr>
             <a:cxnSpLocks/>
-            <a:stCxn id="8" idx="0"/>
             <a:endCxn id="7" idx="2"/>
           </p:cNvCxnSpPr>
           <p:nvPr/>
         </p:nvCxnSpPr>
         <p:spPr>
           <a:xfrm flipV="1">
-            <a:off x="3634262" y="3737590"/>
+            <a:off x="4352719" y="3252398"/>
             <a:ext cx="1" cy="277684"/>
           </a:xfrm>
           <a:prstGeom prst="straightConnector1">
@@ -3979,7 +3928,7 @@
         </p:nvCxnSpPr>
         <p:spPr>
           <a:xfrm flipV="1">
-            <a:off x="4590650" y="3337642"/>
+            <a:off x="5309107" y="2852450"/>
             <a:ext cx="665588" cy="12728"/>
           </a:xfrm>
           <a:prstGeom prst="straightConnector1">
@@ -4016,13 +3965,12 @@
           <p:cNvCxnSpPr>
             <a:cxnSpLocks/>
             <a:stCxn id="4" idx="3"/>
-            <a:endCxn id="131" idx="2"/>
           </p:cNvCxnSpPr>
           <p:nvPr/>
         </p:nvCxnSpPr>
         <p:spPr>
           <a:xfrm flipV="1">
-            <a:off x="2182574" y="2345481"/>
+            <a:off x="2901031" y="1860289"/>
             <a:ext cx="666369" cy="1"/>
           </a:xfrm>
           <a:prstGeom prst="straightConnector1">
@@ -4034,13 +3982,13 @@
         </p:spPr>
         <p:style>
           <a:lnRef idx="1">
-            <a:schemeClr val="accent1"/>
+            <a:schemeClr val="accent3"/>
           </a:lnRef>
           <a:fillRef idx="0">
-            <a:schemeClr val="accent1"/>
+            <a:schemeClr val="accent3"/>
           </a:fillRef>
           <a:effectRef idx="0">
-            <a:schemeClr val="accent1"/>
+            <a:schemeClr val="accent3"/>
           </a:effectRef>
           <a:fontRef idx="minor">
             <a:schemeClr val="tx1"/>
@@ -4061,7 +4009,7 @@
         </p:nvSpPr>
         <p:spPr>
           <a:xfrm>
-            <a:off x="5256238" y="2950421"/>
+            <a:off x="5974695" y="2465229"/>
             <a:ext cx="1912775" cy="774441"/>
           </a:xfrm>
           <a:prstGeom prst="rect">
@@ -4110,7 +4058,7 @@
         </p:nvSpPr>
         <p:spPr>
           <a:xfrm>
-            <a:off x="8165838" y="767832"/>
+            <a:off x="8884295" y="766663"/>
             <a:ext cx="1912775" cy="774441"/>
           </a:xfrm>
           <a:prstGeom prst="rect">
@@ -4119,15 +4067,15 @@
         </p:spPr>
         <p:style>
           <a:lnRef idx="2">
-            <a:schemeClr val="accent1">
+            <a:schemeClr val="accent6">
               <a:shade val="50000"/>
             </a:schemeClr>
           </a:lnRef>
           <a:fillRef idx="1">
-            <a:schemeClr val="accent1"/>
+            <a:schemeClr val="accent6"/>
           </a:fillRef>
           <a:effectRef idx="0">
-            <a:schemeClr val="accent1"/>
+            <a:schemeClr val="accent6"/>
           </a:effectRef>
           <a:fontRef idx="minor">
             <a:schemeClr val="lt1"/>
@@ -4174,8 +4122,8 @@
         </p:nvCxnSpPr>
         <p:spPr>
           <a:xfrm flipV="1">
-            <a:off x="7169013" y="1155053"/>
-            <a:ext cx="996825" cy="2182589"/>
+            <a:off x="7887470" y="1153884"/>
+            <a:ext cx="996825" cy="1698566"/>
           </a:xfrm>
           <a:prstGeom prst="bentConnector3">
             <a:avLst/>
@@ -4213,7 +4161,7 @@
         </p:nvSpPr>
         <p:spPr>
           <a:xfrm>
-            <a:off x="8165837" y="1861459"/>
+            <a:off x="8884294" y="1860290"/>
             <a:ext cx="1912775" cy="774441"/>
           </a:xfrm>
           <a:prstGeom prst="rect">
@@ -4222,15 +4170,15 @@
         </p:spPr>
         <p:style>
           <a:lnRef idx="2">
-            <a:schemeClr val="accent1">
+            <a:schemeClr val="accent6">
               <a:shade val="50000"/>
             </a:schemeClr>
           </a:lnRef>
           <a:fillRef idx="1">
-            <a:schemeClr val="accent1"/>
+            <a:schemeClr val="accent6"/>
           </a:fillRef>
           <a:effectRef idx="0">
-            <a:schemeClr val="accent1"/>
+            <a:schemeClr val="accent6"/>
           </a:effectRef>
           <a:fontRef idx="minor">
             <a:schemeClr val="lt1"/>
@@ -4271,7 +4219,7 @@
         </p:nvSpPr>
         <p:spPr>
           <a:xfrm>
-            <a:off x="8165836" y="2951587"/>
+            <a:off x="8884293" y="2950418"/>
             <a:ext cx="1912775" cy="774441"/>
           </a:xfrm>
           <a:prstGeom prst="rect">
@@ -4280,15 +4228,15 @@
         </p:spPr>
         <p:style>
           <a:lnRef idx="2">
-            <a:schemeClr val="accent1">
+            <a:schemeClr val="accent6">
               <a:shade val="50000"/>
             </a:schemeClr>
           </a:lnRef>
           <a:fillRef idx="1">
-            <a:schemeClr val="accent1"/>
+            <a:schemeClr val="accent6"/>
           </a:fillRef>
           <a:effectRef idx="0">
-            <a:schemeClr val="accent1"/>
+            <a:schemeClr val="accent6"/>
           </a:effectRef>
           <a:fontRef idx="minor">
             <a:schemeClr val="lt1"/>
@@ -4318,55 +4266,12 @@
           </a:p>
         </p:txBody>
       </p:sp>
-      <p:cxnSp>
-        <p:nvCxnSpPr>
-          <p:cNvPr id="45" name="Straight Arrow Connector 44">
-            <a:extLst>
-              <a:ext uri="{FF2B5EF4-FFF2-40B4-BE49-F238E27FC236}">
-                <a16:creationId xmlns:a16="http://schemas.microsoft.com/office/drawing/2014/main" id="{C272981D-7766-418F-BC37-6F9A614DDD5A}"/>
-              </a:ext>
-            </a:extLst>
-          </p:cNvPr>
-          <p:cNvCxnSpPr>
-            <a:cxnSpLocks/>
-            <a:stCxn id="40" idx="3"/>
-            <a:endCxn id="46" idx="1"/>
-          </p:cNvCxnSpPr>
-          <p:nvPr/>
-        </p:nvCxnSpPr>
-        <p:spPr>
-          <a:xfrm flipV="1">
-            <a:off x="10078611" y="3338807"/>
-            <a:ext cx="361558" cy="1"/>
-          </a:xfrm>
-          <a:prstGeom prst="straightConnector1">
-            <a:avLst/>
-          </a:prstGeom>
-          <a:ln>
-            <a:tailEnd type="triangle"/>
-          </a:ln>
-        </p:spPr>
-        <p:style>
-          <a:lnRef idx="1">
-            <a:schemeClr val="accent1"/>
-          </a:lnRef>
-          <a:fillRef idx="0">
-            <a:schemeClr val="accent1"/>
-          </a:fillRef>
-          <a:effectRef idx="0">
-            <a:schemeClr val="accent1"/>
-          </a:effectRef>
-          <a:fontRef idx="minor">
-            <a:schemeClr val="tx1"/>
-          </a:fontRef>
-        </p:style>
-      </p:cxnSp>
-      <p:sp>
-        <p:nvSpPr>
-          <p:cNvPr id="46" name="Rectangle 45">
-            <a:extLst>
-              <a:ext uri="{FF2B5EF4-FFF2-40B4-BE49-F238E27FC236}">
-                <a16:creationId xmlns:a16="http://schemas.microsoft.com/office/drawing/2014/main" id="{70B6044F-78D9-42CA-9EAF-88EDEC8B5FE4}"/>
+      <p:sp>
+        <p:nvSpPr>
+          <p:cNvPr id="49" name="Rectangle 48">
+            <a:extLst>
+              <a:ext uri="{FF2B5EF4-FFF2-40B4-BE49-F238E27FC236}">
+                <a16:creationId xmlns:a16="http://schemas.microsoft.com/office/drawing/2014/main" id="{131D46E2-0774-4889-A3D3-2614476CF200}"/>
               </a:ext>
             </a:extLst>
           </p:cNvPr>
@@ -4375,8 +4280,8 @@
         </p:nvSpPr>
         <p:spPr>
           <a:xfrm>
-            <a:off x="10440169" y="2951586"/>
-            <a:ext cx="1602535" cy="774441"/>
+            <a:off x="8884292" y="4115579"/>
+            <a:ext cx="1912775" cy="774441"/>
           </a:xfrm>
           <a:prstGeom prst="rect">
             <a:avLst/>
@@ -4384,69 +4289,15 @@
         </p:spPr>
         <p:style>
           <a:lnRef idx="2">
-            <a:schemeClr val="accent1">
+            <a:schemeClr val="accent6">
               <a:shade val="50000"/>
             </a:schemeClr>
           </a:lnRef>
           <a:fillRef idx="1">
-            <a:schemeClr val="accent1"/>
+            <a:schemeClr val="accent6"/>
           </a:fillRef>
           <a:effectRef idx="0">
-            <a:schemeClr val="accent1"/>
-          </a:effectRef>
-          <a:fontRef idx="minor">
-            <a:schemeClr val="lt1"/>
-          </a:fontRef>
-        </p:style>
-        <p:txBody>
-          <a:bodyPr rtlCol="0" anchor="ctr"/>
-          <a:lstStyle/>
-          <a:p>
-            <a:pPr algn="ctr"/>
-            <a:r>
-              <a:rPr lang="en-US" dirty="0"/>
-              <a:t>Tags </a:t>
-            </a:r>
-            <a:r>
-              <a:rPr lang="en-US" dirty="0" err="1"/>
-              <a:t>parecidas</a:t>
-            </a:r>
-            <a:endParaRPr lang="en-US" dirty="0"/>
-          </a:p>
-        </p:txBody>
-      </p:sp>
-      <p:sp>
-        <p:nvSpPr>
-          <p:cNvPr id="49" name="Rectangle 48">
-            <a:extLst>
-              <a:ext uri="{FF2B5EF4-FFF2-40B4-BE49-F238E27FC236}">
-                <a16:creationId xmlns:a16="http://schemas.microsoft.com/office/drawing/2014/main" id="{131D46E2-0774-4889-A3D3-2614476CF200}"/>
-              </a:ext>
-            </a:extLst>
-          </p:cNvPr>
-          <p:cNvSpPr/>
-          <p:nvPr/>
-        </p:nvSpPr>
-        <p:spPr>
-          <a:xfrm>
-            <a:off x="8165835" y="4116748"/>
-            <a:ext cx="1912775" cy="774441"/>
-          </a:xfrm>
-          <a:prstGeom prst="rect">
-            <a:avLst/>
-          </a:prstGeom>
-        </p:spPr>
-        <p:style>
-          <a:lnRef idx="2">
-            <a:schemeClr val="accent1">
-              <a:shade val="50000"/>
-            </a:schemeClr>
-          </a:lnRef>
-          <a:fillRef idx="1">
-            <a:schemeClr val="accent1"/>
-          </a:fillRef>
-          <a:effectRef idx="0">
-            <a:schemeClr val="accent1"/>
+            <a:schemeClr val="accent6"/>
           </a:effectRef>
           <a:fontRef idx="minor">
             <a:schemeClr val="lt1"/>
@@ -4494,8 +4345,8 @@
         </p:nvCxnSpPr>
         <p:spPr>
           <a:xfrm flipV="1">
-            <a:off x="7169013" y="2248680"/>
-            <a:ext cx="996824" cy="1088962"/>
+            <a:off x="7887470" y="2247511"/>
+            <a:ext cx="996824" cy="604939"/>
           </a:xfrm>
           <a:prstGeom prst="bentConnector3">
             <a:avLst/>
@@ -4537,8 +4388,8 @@
         </p:nvCxnSpPr>
         <p:spPr>
           <a:xfrm>
-            <a:off x="7169013" y="3337642"/>
-            <a:ext cx="996823" cy="1166"/>
+            <a:off x="7887470" y="2852450"/>
+            <a:ext cx="996823" cy="485189"/>
           </a:xfrm>
           <a:prstGeom prst="bentConnector3">
             <a:avLst/>
@@ -4580,8 +4431,8 @@
         </p:nvCxnSpPr>
         <p:spPr>
           <a:xfrm>
-            <a:off x="7169013" y="3337642"/>
-            <a:ext cx="996822" cy="1166327"/>
+            <a:off x="7887470" y="2852450"/>
+            <a:ext cx="996822" cy="1650350"/>
           </a:xfrm>
           <a:prstGeom prst="bentConnector3">
             <a:avLst>
@@ -4621,7 +4472,7 @@
         </p:nvSpPr>
         <p:spPr>
           <a:xfrm>
-            <a:off x="5256237" y="1251855"/>
+            <a:off x="5974694" y="766663"/>
             <a:ext cx="1912775" cy="1093626"/>
           </a:xfrm>
           <a:prstGeom prst="rect">
@@ -4630,15 +4481,15 @@
         </p:spPr>
         <p:style>
           <a:lnRef idx="2">
-            <a:schemeClr val="accent2">
+            <a:schemeClr val="accent6">
               <a:shade val="50000"/>
             </a:schemeClr>
           </a:lnRef>
           <a:fillRef idx="1">
-            <a:schemeClr val="accent2"/>
+            <a:schemeClr val="accent6"/>
           </a:fillRef>
           <a:effectRef idx="0">
-            <a:schemeClr val="accent2"/>
+            <a:schemeClr val="accent6"/>
           </a:effectRef>
           <a:fontRef idx="minor">
             <a:schemeClr val="lt1"/>
@@ -4663,7 +4514,7 @@
       </p:sp>
       <p:sp>
         <p:nvSpPr>
-          <p:cNvPr id="131" name="Oval 130">
+          <p:cNvPr id="131" name="Rectangle 130">
             <a:extLst>
               <a:ext uri="{FF2B5EF4-FFF2-40B4-BE49-F238E27FC236}">
                 <a16:creationId xmlns:a16="http://schemas.microsoft.com/office/drawing/2014/main" id="{38E2FD61-C561-4F3A-82BE-A8EF49F4408B}"/>
@@ -4675,10 +4526,10 @@
         </p:nvSpPr>
         <p:spPr>
           <a:xfrm>
-            <a:off x="2848943" y="2030381"/>
+            <a:off x="3567400" y="1545189"/>
             <a:ext cx="1492898" cy="630200"/>
           </a:xfrm>
-          <a:prstGeom prst="ellipse">
+          <a:prstGeom prst="rect">
             <a:avLst/>
           </a:prstGeom>
         </p:spPr>
@@ -4722,14 +4573,13 @@
           </p:cNvPr>
           <p:cNvCxnSpPr>
             <a:cxnSpLocks/>
-            <a:stCxn id="131" idx="6"/>
             <a:endCxn id="31" idx="1"/>
           </p:cNvCxnSpPr>
           <p:nvPr/>
         </p:nvCxnSpPr>
         <p:spPr>
           <a:xfrm>
-            <a:off x="4341841" y="2345481"/>
+            <a:off x="5060298" y="1860289"/>
             <a:ext cx="914397" cy="992161"/>
           </a:xfrm>
           <a:prstGeom prst="straightConnector1">
@@ -4764,14 +4614,13 @@
             </a:extLst>
           </p:cNvPr>
           <p:cNvCxnSpPr>
-            <a:stCxn id="131" idx="6"/>
             <a:endCxn id="59" idx="1"/>
           </p:cNvCxnSpPr>
           <p:nvPr/>
         </p:nvCxnSpPr>
         <p:spPr>
           <a:xfrm flipV="1">
-            <a:off x="4341841" y="1798668"/>
+            <a:off x="5060298" y="1313476"/>
             <a:ext cx="914396" cy="546813"/>
           </a:xfrm>
           <a:prstGeom prst="straightConnector1">
@@ -4813,7 +4662,7 @@
         </p:nvCxnSpPr>
         <p:spPr>
           <a:xfrm flipH="1" flipV="1">
-            <a:off x="6212625" y="2345481"/>
+            <a:off x="6931082" y="1860289"/>
             <a:ext cx="1" cy="604940"/>
           </a:xfrm>
           <a:prstGeom prst="straightConnector1">
@@ -4841,10 +4690,10 @@
       </p:cxnSp>
       <p:sp>
         <p:nvSpPr>
-          <p:cNvPr id="151" name="Rectangle 150">
-            <a:extLst>
-              <a:ext uri="{FF2B5EF4-FFF2-40B4-BE49-F238E27FC236}">
-                <a16:creationId xmlns:a16="http://schemas.microsoft.com/office/drawing/2014/main" id="{6B610803-114D-4300-9283-6AE3D741A768}"/>
+          <p:cNvPr id="22" name="Rectangle 21">
+            <a:extLst>
+              <a:ext uri="{FF2B5EF4-FFF2-40B4-BE49-F238E27FC236}">
+                <a16:creationId xmlns:a16="http://schemas.microsoft.com/office/drawing/2014/main" id="{BB0D19E2-1BDD-498C-9828-28A3C13F409A}"/>
               </a:ext>
             </a:extLst>
           </p:cNvPr>
@@ -4853,8 +4702,90 @@
         </p:nvSpPr>
         <p:spPr>
           <a:xfrm>
-            <a:off x="8165834" y="5206876"/>
-            <a:ext cx="1912775" cy="774441"/>
+            <a:off x="1050928" y="5716945"/>
+            <a:ext cx="386432" cy="363894"/>
+          </a:xfrm>
+          <a:prstGeom prst="rect">
+            <a:avLst/>
+          </a:prstGeom>
+        </p:spPr>
+        <p:style>
+          <a:lnRef idx="2">
+            <a:schemeClr val="accent3">
+              <a:shade val="50000"/>
+            </a:schemeClr>
+          </a:lnRef>
+          <a:fillRef idx="1">
+            <a:schemeClr val="accent3"/>
+          </a:fillRef>
+          <a:effectRef idx="0">
+            <a:schemeClr val="accent3"/>
+          </a:effectRef>
+          <a:fontRef idx="minor">
+            <a:schemeClr val="lt1"/>
+          </a:fontRef>
+        </p:style>
+        <p:txBody>
+          <a:bodyPr rtlCol="0" anchor="ctr"/>
+          <a:lstStyle/>
+          <a:p>
+            <a:pPr algn="ctr"/>
+            <a:endParaRPr lang="en-US"/>
+          </a:p>
+        </p:txBody>
+      </p:sp>
+      <p:sp>
+        <p:nvSpPr>
+          <p:cNvPr id="23" name="TextBox 22">
+            <a:extLst>
+              <a:ext uri="{FF2B5EF4-FFF2-40B4-BE49-F238E27FC236}">
+                <a16:creationId xmlns:a16="http://schemas.microsoft.com/office/drawing/2014/main" id="{E279A108-867B-49CB-94F6-CE25B9B3CB11}"/>
+              </a:ext>
+            </a:extLst>
+          </p:cNvPr>
+          <p:cNvSpPr txBox="1"/>
+          <p:nvPr/>
+        </p:nvSpPr>
+        <p:spPr>
+          <a:xfrm>
+            <a:off x="1456019" y="5711507"/>
+            <a:ext cx="2065887" cy="369332"/>
+          </a:xfrm>
+          <a:prstGeom prst="rect">
+            <a:avLst/>
+          </a:prstGeom>
+          <a:noFill/>
+        </p:spPr>
+        <p:txBody>
+          <a:bodyPr wrap="none" rtlCol="0">
+            <a:spAutoFit/>
+          </a:bodyPr>
+          <a:lstStyle/>
+          <a:p>
+            <a:r>
+              <a:rPr lang="pt-BR" dirty="0"/>
+              <a:t>Entradas do sistema</a:t>
+            </a:r>
+            <a:endParaRPr lang="en-US" dirty="0"/>
+          </a:p>
+        </p:txBody>
+      </p:sp>
+      <p:sp>
+        <p:nvSpPr>
+          <p:cNvPr id="44" name="Rectangle 43">
+            <a:extLst>
+              <a:ext uri="{FF2B5EF4-FFF2-40B4-BE49-F238E27FC236}">
+                <a16:creationId xmlns:a16="http://schemas.microsoft.com/office/drawing/2014/main" id="{84136339-2611-4D32-8F7F-1679E15E5C75}"/>
+              </a:ext>
+            </a:extLst>
+          </p:cNvPr>
+          <p:cNvSpPr/>
+          <p:nvPr/>
+        </p:nvSpPr>
+        <p:spPr>
+          <a:xfrm>
+            <a:off x="4048035" y="5716945"/>
+            <a:ext cx="386432" cy="363894"/>
           </a:xfrm>
           <a:prstGeom prst="rect">
             <a:avLst/>
@@ -4881,55 +4812,128 @@
           <a:lstStyle/>
           <a:p>
             <a:pPr algn="ctr"/>
+            <a:endParaRPr lang="en-US"/>
+          </a:p>
+        </p:txBody>
+      </p:sp>
+      <p:sp>
+        <p:nvSpPr>
+          <p:cNvPr id="47" name="TextBox 46">
+            <a:extLst>
+              <a:ext uri="{FF2B5EF4-FFF2-40B4-BE49-F238E27FC236}">
+                <a16:creationId xmlns:a16="http://schemas.microsoft.com/office/drawing/2014/main" id="{8968DC36-C388-4F80-A66F-58AD4CEFBF8C}"/>
+              </a:ext>
+            </a:extLst>
+          </p:cNvPr>
+          <p:cNvSpPr txBox="1"/>
+          <p:nvPr/>
+        </p:nvSpPr>
+        <p:spPr>
+          <a:xfrm>
+            <a:off x="4453126" y="5711507"/>
+            <a:ext cx="3145092" cy="369332"/>
+          </a:xfrm>
+          <a:prstGeom prst="rect">
+            <a:avLst/>
+          </a:prstGeom>
+          <a:noFill/>
+        </p:spPr>
+        <p:txBody>
+          <a:bodyPr wrap="none" rtlCol="0">
+            <a:spAutoFit/>
+          </a:bodyPr>
+          <a:lstStyle/>
+          <a:p>
+            <a:r>
+              <a:rPr lang="pt-BR" dirty="0"/>
+              <a:t>Ferramentas de processamento</a:t>
+            </a:r>
             <a:endParaRPr lang="en-US" dirty="0"/>
           </a:p>
         </p:txBody>
       </p:sp>
-      <p:cxnSp>
-        <p:nvCxnSpPr>
-          <p:cNvPr id="152" name="Connector: Elbow 151">
-            <a:extLst>
-              <a:ext uri="{FF2B5EF4-FFF2-40B4-BE49-F238E27FC236}">
-                <a16:creationId xmlns:a16="http://schemas.microsoft.com/office/drawing/2014/main" id="{A24E2F9C-149E-4C7B-AA21-E8CEAFE36214}"/>
-              </a:ext>
-            </a:extLst>
-          </p:cNvPr>
-          <p:cNvCxnSpPr>
-            <a:cxnSpLocks/>
-            <a:stCxn id="31" idx="3"/>
-            <a:endCxn id="151" idx="1"/>
-          </p:cNvCxnSpPr>
+      <p:sp>
+        <p:nvSpPr>
+          <p:cNvPr id="48" name="Rectangle 47">
+            <a:extLst>
+              <a:ext uri="{FF2B5EF4-FFF2-40B4-BE49-F238E27FC236}">
+                <a16:creationId xmlns:a16="http://schemas.microsoft.com/office/drawing/2014/main" id="{92A425DB-143E-476E-9508-B820956254B2}"/>
+              </a:ext>
+            </a:extLst>
+          </p:cNvPr>
+          <p:cNvSpPr/>
           <p:nvPr/>
-        </p:nvCxnSpPr>
+        </p:nvSpPr>
         <p:spPr>
           <a:xfrm>
-            <a:off x="7169013" y="3337642"/>
-            <a:ext cx="996821" cy="2256455"/>
-          </a:xfrm>
-          <a:prstGeom prst="bentConnector3">
-            <a:avLst>
-              <a:gd name="adj1" fmla="val 50000"/>
-            </a:avLst>
+            <a:off x="7990577" y="5716945"/>
+            <a:ext cx="386432" cy="363894"/>
+          </a:xfrm>
+          <a:prstGeom prst="rect">
+            <a:avLst/>
           </a:prstGeom>
-          <a:ln>
-            <a:tailEnd type="triangle"/>
-          </a:ln>
         </p:spPr>
         <p:style>
-          <a:lnRef idx="1">
-            <a:schemeClr val="accent1"/>
+          <a:lnRef idx="2">
+            <a:schemeClr val="accent6">
+              <a:shade val="50000"/>
+            </a:schemeClr>
           </a:lnRef>
-          <a:fillRef idx="0">
-            <a:schemeClr val="accent1"/>
+          <a:fillRef idx="1">
+            <a:schemeClr val="accent6"/>
           </a:fillRef>
           <a:effectRef idx="0">
-            <a:schemeClr val="accent1"/>
+            <a:schemeClr val="accent6"/>
           </a:effectRef>
           <a:fontRef idx="minor">
-            <a:schemeClr val="tx1"/>
+            <a:schemeClr val="lt1"/>
           </a:fontRef>
         </p:style>
-      </p:cxnSp>
+        <p:txBody>
+          <a:bodyPr rtlCol="0" anchor="ctr"/>
+          <a:lstStyle/>
+          <a:p>
+            <a:pPr algn="ctr"/>
+            <a:endParaRPr lang="en-US"/>
+          </a:p>
+        </p:txBody>
+      </p:sp>
+      <p:sp>
+        <p:nvSpPr>
+          <p:cNvPr id="51" name="TextBox 50">
+            <a:extLst>
+              <a:ext uri="{FF2B5EF4-FFF2-40B4-BE49-F238E27FC236}">
+                <a16:creationId xmlns:a16="http://schemas.microsoft.com/office/drawing/2014/main" id="{62D90B53-8F07-4DB7-BAC7-B3C2A20DA438}"/>
+              </a:ext>
+            </a:extLst>
+          </p:cNvPr>
+          <p:cNvSpPr txBox="1"/>
+          <p:nvPr/>
+        </p:nvSpPr>
+        <p:spPr>
+          <a:xfrm>
+            <a:off x="8395668" y="5711507"/>
+            <a:ext cx="2860848" cy="369332"/>
+          </a:xfrm>
+          <a:prstGeom prst="rect">
+            <a:avLst/>
+          </a:prstGeom>
+          <a:noFill/>
+        </p:spPr>
+        <p:txBody>
+          <a:bodyPr wrap="none" rtlCol="0">
+            <a:spAutoFit/>
+          </a:bodyPr>
+          <a:lstStyle/>
+          <a:p>
+            <a:r>
+              <a:rPr lang="pt-BR" dirty="0"/>
+              <a:t>Possíveis Analises/Relatórios</a:t>
+            </a:r>
+            <a:endParaRPr lang="en-US" dirty="0"/>
+          </a:p>
+        </p:txBody>
+      </p:sp>
     </p:spTree>
     <p:extLst>
       <p:ext uri="{BB962C8B-B14F-4D97-AF65-F5344CB8AC3E}">
@@ -4944,6 +4948,68 @@
 </file>
 
 <file path=ppt/slides/slide4.xml><?xml version="1.0" encoding="utf-8"?>
+<p:sld xmlns:a="http://schemas.openxmlformats.org/drawingml/2006/main" xmlns:r="http://schemas.openxmlformats.org/officeDocument/2006/relationships" xmlns:p="http://schemas.openxmlformats.org/presentationml/2006/main">
+  <p:cSld>
+    <p:spTree>
+      <p:nvGrpSpPr>
+        <p:cNvPr id="1" name=""/>
+        <p:cNvGrpSpPr/>
+        <p:nvPr/>
+      </p:nvGrpSpPr>
+      <p:grpSpPr>
+        <a:xfrm>
+          <a:off x="0" y="0"/>
+          <a:ext cx="0" cy="0"/>
+          <a:chOff x="0" y="0"/>
+          <a:chExt cx="0" cy="0"/>
+        </a:xfrm>
+      </p:grpSpPr>
+      <p:pic>
+        <p:nvPicPr>
+          <p:cNvPr id="4" name="Content Placeholder 3">
+            <a:extLst>
+              <a:ext uri="{FF2B5EF4-FFF2-40B4-BE49-F238E27FC236}">
+                <a16:creationId xmlns:a16="http://schemas.microsoft.com/office/drawing/2014/main" id="{EAA7AF15-A2D7-44F3-A9D4-E8E5D45B6A6D}"/>
+              </a:ext>
+            </a:extLst>
+          </p:cNvPr>
+          <p:cNvPicPr>
+            <a:picLocks noGrp="1" noChangeAspect="1"/>
+          </p:cNvPicPr>
+          <p:nvPr>
+            <p:ph idx="1"/>
+          </p:nvPr>
+        </p:nvPicPr>
+        <p:blipFill>
+          <a:blip r:embed="rId2"/>
+          <a:stretch>
+            <a:fillRect/>
+          </a:stretch>
+        </p:blipFill>
+        <p:spPr>
+          <a:xfrm>
+            <a:off x="940867" y="713743"/>
+            <a:ext cx="10310265" cy="5430514"/>
+          </a:xfrm>
+          <a:prstGeom prst="rect">
+            <a:avLst/>
+          </a:prstGeom>
+        </p:spPr>
+      </p:pic>
+    </p:spTree>
+    <p:extLst>
+      <p:ext uri="{BB962C8B-B14F-4D97-AF65-F5344CB8AC3E}">
+        <p14:creationId xmlns:p14="http://schemas.microsoft.com/office/powerpoint/2010/main" val="2075053729"/>
+      </p:ext>
+    </p:extLst>
+  </p:cSld>
+  <p:clrMapOvr>
+    <a:masterClrMapping/>
+  </p:clrMapOvr>
+</p:sld>
+</file>
+
+<file path=ppt/slides/slide5.xml><?xml version="1.0" encoding="utf-8"?>
 <p:sld xmlns:a="http://schemas.openxmlformats.org/drawingml/2006/main" xmlns:r="http://schemas.openxmlformats.org/officeDocument/2006/relationships" xmlns:p="http://schemas.openxmlformats.org/presentationml/2006/main">
   <p:cSld>
     <p:spTree>
